--- a/Slides/Lab1-slides.pptx
+++ b/Slides/Lab1-slides.pptx
@@ -290,7 +290,7 @@
           <a:p>
             <a:fld id="{548DD419-FB6C-409F-BD7F-7150471B2D23}" type="datetimeFigureOut">
               <a:rPr lang="en-US" smtClean="0"/>
-              <a:t>1/3/2024</a:t>
+              <a:t>9/26/2025</a:t>
             </a:fld>
             <a:endParaRPr lang="en-US"/>
           </a:p>
@@ -458,7 +458,7 @@
           <a:p>
             <a:fld id="{548DD419-FB6C-409F-BD7F-7150471B2D23}" type="datetimeFigureOut">
               <a:rPr lang="en-US" smtClean="0"/>
-              <a:t>1/3/2024</a:t>
+              <a:t>9/26/2025</a:t>
             </a:fld>
             <a:endParaRPr lang="en-US"/>
           </a:p>
@@ -636,7 +636,7 @@
           <a:p>
             <a:fld id="{548DD419-FB6C-409F-BD7F-7150471B2D23}" type="datetimeFigureOut">
               <a:rPr lang="en-US" smtClean="0"/>
-              <a:t>1/3/2024</a:t>
+              <a:t>9/26/2025</a:t>
             </a:fld>
             <a:endParaRPr lang="en-US"/>
           </a:p>
@@ -804,7 +804,7 @@
           <a:p>
             <a:fld id="{548DD419-FB6C-409F-BD7F-7150471B2D23}" type="datetimeFigureOut">
               <a:rPr lang="en-US" smtClean="0"/>
-              <a:t>1/3/2024</a:t>
+              <a:t>9/26/2025</a:t>
             </a:fld>
             <a:endParaRPr lang="en-US"/>
           </a:p>
@@ -1049,7 +1049,7 @@
           <a:p>
             <a:fld id="{548DD419-FB6C-409F-BD7F-7150471B2D23}" type="datetimeFigureOut">
               <a:rPr lang="en-US" smtClean="0"/>
-              <a:t>1/3/2024</a:t>
+              <a:t>9/26/2025</a:t>
             </a:fld>
             <a:endParaRPr lang="en-US"/>
           </a:p>
@@ -1278,7 +1278,7 @@
           <a:p>
             <a:fld id="{548DD419-FB6C-409F-BD7F-7150471B2D23}" type="datetimeFigureOut">
               <a:rPr lang="en-US" smtClean="0"/>
-              <a:t>1/3/2024</a:t>
+              <a:t>9/26/2025</a:t>
             </a:fld>
             <a:endParaRPr lang="en-US"/>
           </a:p>
@@ -1642,7 +1642,7 @@
           <a:p>
             <a:fld id="{548DD419-FB6C-409F-BD7F-7150471B2D23}" type="datetimeFigureOut">
               <a:rPr lang="en-US" smtClean="0"/>
-              <a:t>1/3/2024</a:t>
+              <a:t>9/26/2025</a:t>
             </a:fld>
             <a:endParaRPr lang="en-US"/>
           </a:p>
@@ -1759,7 +1759,7 @@
           <a:p>
             <a:fld id="{548DD419-FB6C-409F-BD7F-7150471B2D23}" type="datetimeFigureOut">
               <a:rPr lang="en-US" smtClean="0"/>
-              <a:t>1/3/2024</a:t>
+              <a:t>9/26/2025</a:t>
             </a:fld>
             <a:endParaRPr lang="en-US"/>
           </a:p>
@@ -1854,7 +1854,7 @@
           <a:p>
             <a:fld id="{548DD419-FB6C-409F-BD7F-7150471B2D23}" type="datetimeFigureOut">
               <a:rPr lang="en-US" smtClean="0"/>
-              <a:t>1/3/2024</a:t>
+              <a:t>9/26/2025</a:t>
             </a:fld>
             <a:endParaRPr lang="en-US"/>
           </a:p>
@@ -2129,7 +2129,7 @@
           <a:p>
             <a:fld id="{548DD419-FB6C-409F-BD7F-7150471B2D23}" type="datetimeFigureOut">
               <a:rPr lang="en-US" smtClean="0"/>
-              <a:t>1/3/2024</a:t>
+              <a:t>9/26/2025</a:t>
             </a:fld>
             <a:endParaRPr lang="en-US"/>
           </a:p>
@@ -2381,7 +2381,7 @@
           <a:p>
             <a:fld id="{548DD419-FB6C-409F-BD7F-7150471B2D23}" type="datetimeFigureOut">
               <a:rPr lang="en-US" smtClean="0"/>
-              <a:t>1/3/2024</a:t>
+              <a:t>9/26/2025</a:t>
             </a:fld>
             <a:endParaRPr lang="en-US"/>
           </a:p>
@@ -2592,7 +2592,7 @@
           <a:p>
             <a:fld id="{548DD419-FB6C-409F-BD7F-7150471B2D23}" type="datetimeFigureOut">
               <a:rPr lang="en-US" smtClean="0"/>
-              <a:t>1/3/2024</a:t>
+              <a:t>9/26/2025</a:t>
             </a:fld>
             <a:endParaRPr lang="en-US"/>
           </a:p>
@@ -3455,7 +3455,7 @@
             </a:r>
             <a:r>
               <a:rPr lang="en-US" dirty="0" err="1"/>
-              <a:t>CompiledFileName.o</a:t>
+              <a:t>CompiledFileName</a:t>
             </a:r>
             <a:r>
               <a:rPr lang="en-US" dirty="0"/>
@@ -3482,7 +3482,7 @@
             </a:r>
             <a:r>
               <a:rPr lang="en-US" dirty="0" err="1"/>
-              <a:t>CompiledFileName.o</a:t>
+              <a:t>CompiledFileName</a:t>
             </a:r>
             <a:endParaRPr lang="en-US" dirty="0"/>
           </a:p>
@@ -6686,7 +6686,7 @@
           <a:p>
             <a:r>
               <a:rPr lang="en-US" dirty="0"/>
-              <a:t>When done with labs</a:t>
+              <a:t>After done with labs</a:t>
             </a:r>
           </a:p>
           <a:p>

--- a/Slides/Lab1-slides.pptx
+++ b/Slides/Lab1-slides.pptx
@@ -3241,13 +3241,8 @@
             <a:pPr lvl="2"/>
             <a:r>
               <a:rPr lang="en-US" dirty="0"/>
-              <a:t>-S</a:t>
-            </a:r>
-            <a:r>
-              <a:rPr lang="en-US"/>
-              <a:t>: include + compile</a:t>
-            </a:r>
-            <a:endParaRPr lang="en-US" dirty="0"/>
+              <a:t>-S: include + compile</a:t>
+            </a:r>
           </a:p>
           <a:p>
             <a:pPr lvl="2"/>
@@ -3430,7 +3425,31 @@
           <a:p>
             <a:r>
               <a:rPr lang="en-US" dirty="0"/>
-              <a:t>Linux</a:t>
+              <a:t>Mac</a:t>
+            </a:r>
+          </a:p>
+          <a:p>
+            <a:pPr lvl="1"/>
+            <a:r>
+              <a:rPr lang="en-US" dirty="0"/>
+              <a:t>IDE: Xcode</a:t>
+            </a:r>
+          </a:p>
+          <a:p>
+            <a:pPr lvl="1"/>
+            <a:r>
+              <a:rPr lang="en-US"/>
+              <a:t>GNU toolchains</a:t>
+            </a:r>
+          </a:p>
+          <a:p>
+            <a:pPr lvl="1"/>
+            <a:endParaRPr lang="en-US" dirty="0"/>
+          </a:p>
+          <a:p>
+            <a:r>
+              <a:rPr lang="en-US" dirty="0"/>
+              <a:t>Linux (this class)</a:t>
             </a:r>
           </a:p>
           <a:p>
@@ -3485,31 +3504,6 @@
               <a:t>CompiledFileName</a:t>
             </a:r>
             <a:endParaRPr lang="en-US" dirty="0"/>
-          </a:p>
-          <a:p>
-            <a:r>
-              <a:rPr lang="en-US" dirty="0"/>
-              <a:t>Mac</a:t>
-            </a:r>
-          </a:p>
-          <a:p>
-            <a:pPr lvl="1"/>
-            <a:r>
-              <a:rPr lang="en-US" dirty="0"/>
-              <a:t>IDE: </a:t>
-            </a:r>
-            <a:r>
-              <a:rPr lang="en-US" dirty="0" err="1"/>
-              <a:t>Xcode</a:t>
-            </a:r>
-            <a:endParaRPr lang="en-US" dirty="0"/>
-          </a:p>
-          <a:p>
-            <a:pPr lvl="1"/>
-            <a:r>
-              <a:rPr lang="en-US" dirty="0"/>
-              <a:t>GNU toolchains</a:t>
-            </a:r>
           </a:p>
         </p:txBody>
       </p:sp>
@@ -7046,7 +7040,7 @@
           <a:p>
             <a:r>
               <a:rPr lang="en-US" dirty="0"/>
-              <a:t>You must show an honest effort has been made</a:t>
+              <a:t>You must show an honest effort has been made with tangible results</a:t>
             </a:r>
           </a:p>
           <a:p>
@@ -7114,7 +7108,7 @@
           <a:p>
             <a:r>
               <a:rPr lang="en-US" dirty="0"/>
-              <a:t>Our remote machine</a:t>
+              <a:t>Our remote machines</a:t>
             </a:r>
           </a:p>
         </p:txBody>
@@ -7141,13 +7135,8 @@
             </a:pPr>
             <a:r>
               <a:rPr lang="en-US" dirty="0"/>
-              <a:t>	csslab.uwb</a:t>
-            </a:r>
-            <a:r>
-              <a:rPr lang="en-US"/>
-              <a:t>.edu</a:t>
-            </a:r>
-            <a:endParaRPr lang="en-US" dirty="0"/>
+              <a:t>	csslab.uwb.edu</a:t>
+            </a:r>
           </a:p>
           <a:p>
             <a:pPr marL="0" indent="0">
@@ -7161,7 +7150,7 @@
             </a:pPr>
             <a:r>
               <a:rPr lang="en-US" dirty="0"/>
-              <a:t>In our labs, ALWAYS compile with:  </a:t>
+              <a:t>In our lab, ALWAYS compile with:  </a:t>
             </a:r>
           </a:p>
           <a:p>

--- a/Slides/Lab1-slides.pptx
+++ b/Slides/Lab1-slides.pptx
@@ -290,7 +290,7 @@
           <a:p>
             <a:fld id="{548DD419-FB6C-409F-BD7F-7150471B2D23}" type="datetimeFigureOut">
               <a:rPr lang="en-US" smtClean="0"/>
-              <a:t>9/26/2025</a:t>
+              <a:t>1/9/2026</a:t>
             </a:fld>
             <a:endParaRPr lang="en-US"/>
           </a:p>
@@ -458,7 +458,7 @@
           <a:p>
             <a:fld id="{548DD419-FB6C-409F-BD7F-7150471B2D23}" type="datetimeFigureOut">
               <a:rPr lang="en-US" smtClean="0"/>
-              <a:t>9/26/2025</a:t>
+              <a:t>1/9/2026</a:t>
             </a:fld>
             <a:endParaRPr lang="en-US"/>
           </a:p>
@@ -636,7 +636,7 @@
           <a:p>
             <a:fld id="{548DD419-FB6C-409F-BD7F-7150471B2D23}" type="datetimeFigureOut">
               <a:rPr lang="en-US" smtClean="0"/>
-              <a:t>9/26/2025</a:t>
+              <a:t>1/9/2026</a:t>
             </a:fld>
             <a:endParaRPr lang="en-US"/>
           </a:p>
@@ -804,7 +804,7 @@
           <a:p>
             <a:fld id="{548DD419-FB6C-409F-BD7F-7150471B2D23}" type="datetimeFigureOut">
               <a:rPr lang="en-US" smtClean="0"/>
-              <a:t>9/26/2025</a:t>
+              <a:t>1/9/2026</a:t>
             </a:fld>
             <a:endParaRPr lang="en-US"/>
           </a:p>
@@ -1049,7 +1049,7 @@
           <a:p>
             <a:fld id="{548DD419-FB6C-409F-BD7F-7150471B2D23}" type="datetimeFigureOut">
               <a:rPr lang="en-US" smtClean="0"/>
-              <a:t>9/26/2025</a:t>
+              <a:t>1/9/2026</a:t>
             </a:fld>
             <a:endParaRPr lang="en-US"/>
           </a:p>
@@ -1278,7 +1278,7 @@
           <a:p>
             <a:fld id="{548DD419-FB6C-409F-BD7F-7150471B2D23}" type="datetimeFigureOut">
               <a:rPr lang="en-US" smtClean="0"/>
-              <a:t>9/26/2025</a:t>
+              <a:t>1/9/2026</a:t>
             </a:fld>
             <a:endParaRPr lang="en-US"/>
           </a:p>
@@ -1642,7 +1642,7 @@
           <a:p>
             <a:fld id="{548DD419-FB6C-409F-BD7F-7150471B2D23}" type="datetimeFigureOut">
               <a:rPr lang="en-US" smtClean="0"/>
-              <a:t>9/26/2025</a:t>
+              <a:t>1/9/2026</a:t>
             </a:fld>
             <a:endParaRPr lang="en-US"/>
           </a:p>
@@ -1759,7 +1759,7 @@
           <a:p>
             <a:fld id="{548DD419-FB6C-409F-BD7F-7150471B2D23}" type="datetimeFigureOut">
               <a:rPr lang="en-US" smtClean="0"/>
-              <a:t>9/26/2025</a:t>
+              <a:t>1/9/2026</a:t>
             </a:fld>
             <a:endParaRPr lang="en-US"/>
           </a:p>
@@ -1854,7 +1854,7 @@
           <a:p>
             <a:fld id="{548DD419-FB6C-409F-BD7F-7150471B2D23}" type="datetimeFigureOut">
               <a:rPr lang="en-US" smtClean="0"/>
-              <a:t>9/26/2025</a:t>
+              <a:t>1/9/2026</a:t>
             </a:fld>
             <a:endParaRPr lang="en-US"/>
           </a:p>
@@ -2129,7 +2129,7 @@
           <a:p>
             <a:fld id="{548DD419-FB6C-409F-BD7F-7150471B2D23}" type="datetimeFigureOut">
               <a:rPr lang="en-US" smtClean="0"/>
-              <a:t>9/26/2025</a:t>
+              <a:t>1/9/2026</a:t>
             </a:fld>
             <a:endParaRPr lang="en-US"/>
           </a:p>
@@ -2381,7 +2381,7 @@
           <a:p>
             <a:fld id="{548DD419-FB6C-409F-BD7F-7150471B2D23}" type="datetimeFigureOut">
               <a:rPr lang="en-US" smtClean="0"/>
-              <a:t>9/26/2025</a:t>
+              <a:t>1/9/2026</a:t>
             </a:fld>
             <a:endParaRPr lang="en-US"/>
           </a:p>
@@ -2592,7 +2592,7 @@
           <a:p>
             <a:fld id="{548DD419-FB6C-409F-BD7F-7150471B2D23}" type="datetimeFigureOut">
               <a:rPr lang="en-US" smtClean="0"/>
-              <a:t>9/26/2025</a:t>
+              <a:t>1/9/2026</a:t>
             </a:fld>
             <a:endParaRPr lang="en-US"/>
           </a:p>
@@ -6402,7 +6402,7 @@
           <a:p>
             <a:r>
               <a:rPr lang="en-US" dirty="0"/>
-              <a:t>Learn a [new] OS</a:t>
+              <a:t>Learn how to work in a [new] OS</a:t>
             </a:r>
           </a:p>
           <a:p>
@@ -6576,7 +6576,7 @@
               <a:rPr lang="en-US" dirty="0">
                 <a:sym typeface="Wingdings" panose="05000000000000000000" pitchFamily="2" charset="2"/>
               </a:rPr>
-              <a:t>Constant compare to Windows or MACs THEY ARE THE SAME!</a:t>
+              <a:t>Constant comparison to Windows or MACs THEY ARE THE SAME!</a:t>
             </a:r>
           </a:p>
         </p:txBody>
@@ -6838,12 +6838,15 @@
           <a:p>
             <a:pPr lvl="1"/>
             <a:r>
-              <a:rPr lang="en-US"/>
-              <a:t>Recommended </a:t>
-            </a:r>
-            <a:r>
-              <a:rPr lang="en-US" dirty="0"/>
-              <a:t>System setup</a:t>
+              <a:rPr lang="en-US" dirty="0"/>
+              <a:t>Recommended System setup</a:t>
+            </a:r>
+          </a:p>
+          <a:p>
+            <a:pPr lvl="2"/>
+            <a:r>
+              <a:rPr lang="en-US" dirty="0"/>
+              <a:t>Docker + Container with CSS Lab-Linux</a:t>
             </a:r>
           </a:p>
           <a:p>
@@ -7047,13 +7050,21 @@
             <a:pPr lvl="1"/>
             <a:r>
               <a:rPr lang="en-US" dirty="0"/>
-              <a:t>“An honest effort” some/most things work. </a:t>
-            </a:r>
-          </a:p>
-          <a:p>
-            <a:r>
-              <a:rPr lang="en-US" dirty="0"/>
-              <a:t>We will download, compile, run, examine</a:t>
+              <a:t>“An honest effort” some/most things done. </a:t>
+            </a:r>
+          </a:p>
+          <a:p>
+            <a:r>
+              <a:rPr lang="en-US" dirty="0"/>
+              <a:t>We </a:t>
+            </a:r>
+            <a:r>
+              <a:rPr lang="en-US"/>
+              <a:t>will download and </a:t>
+            </a:r>
+            <a:r>
+              <a:rPr lang="en-US" dirty="0"/>
+              <a:t>examine</a:t>
             </a:r>
           </a:p>
           <a:p>
@@ -7228,10 +7239,10 @@
   <a:themeElements>
     <a:clrScheme name="Office">
       <a:dk1>
-        <a:sysClr val="windowText" lastClr="000000"/>
+        <a:sysClr val="windowText" lastClr="FFFFFF"/>
       </a:dk1>
       <a:lt1>
-        <a:sysClr val="window" lastClr="FFFFFF"/>
+        <a:sysClr val="window" lastClr="000000"/>
       </a:lt1>
       <a:dk2>
         <a:srgbClr val="44546A"/>
